--- a/high_level_presentation.pptx
+++ b/high_level_presentation.pptx
@@ -114,6 +114,11 @@
       </a:defRPr>
     </a:lvl9pPr>
   </p:defaultTextStyle>
+  <p:extLst>
+    <p:ext uri="{EFAFB233-063F-42B5-8137-9DF3F51BA10A}">
+      <p15:sldGuideLst xmlns:p15="http://schemas.microsoft.com/office/powerpoint/2012/main"/>
+    </p:ext>
+  </p:extLst>
 </p:presentation>
 </file>
 
@@ -9867,7 +9872,7 @@
           <a:p>
             <a:fld id="{1CFB49CA-E029-42F2-9641-D3C8C8AE1224}" type="datetimeFigureOut">
               <a:rPr lang="he-IL" smtClean="0"/>
-              <a:t>כ'/ניסן/תשפ"א</a:t>
+              <a:t>כ"א/ניסן/תשפ"א</a:t>
             </a:fld>
             <a:endParaRPr lang="he-IL"/>
           </a:p>
@@ -10065,7 +10070,7 @@
           <a:p>
             <a:fld id="{1CFB49CA-E029-42F2-9641-D3C8C8AE1224}" type="datetimeFigureOut">
               <a:rPr lang="he-IL" smtClean="0"/>
-              <a:t>כ'/ניסן/תשפ"א</a:t>
+              <a:t>כ"א/ניסן/תשפ"א</a:t>
             </a:fld>
             <a:endParaRPr lang="he-IL"/>
           </a:p>
@@ -10273,7 +10278,7 @@
           <a:p>
             <a:fld id="{1CFB49CA-E029-42F2-9641-D3C8C8AE1224}" type="datetimeFigureOut">
               <a:rPr lang="he-IL" smtClean="0"/>
-              <a:t>כ'/ניסן/תשפ"א</a:t>
+              <a:t>כ"א/ניסן/תשפ"א</a:t>
             </a:fld>
             <a:endParaRPr lang="he-IL"/>
           </a:p>
@@ -10471,7 +10476,7 @@
           <a:p>
             <a:fld id="{1CFB49CA-E029-42F2-9641-D3C8C8AE1224}" type="datetimeFigureOut">
               <a:rPr lang="he-IL" smtClean="0"/>
-              <a:t>כ'/ניסן/תשפ"א</a:t>
+              <a:t>כ"א/ניסן/תשפ"א</a:t>
             </a:fld>
             <a:endParaRPr lang="he-IL"/>
           </a:p>
@@ -10746,7 +10751,7 @@
           <a:p>
             <a:fld id="{1CFB49CA-E029-42F2-9641-D3C8C8AE1224}" type="datetimeFigureOut">
               <a:rPr lang="he-IL" smtClean="0"/>
-              <a:t>כ'/ניסן/תשפ"א</a:t>
+              <a:t>כ"א/ניסן/תשפ"א</a:t>
             </a:fld>
             <a:endParaRPr lang="he-IL"/>
           </a:p>
@@ -11011,7 +11016,7 @@
           <a:p>
             <a:fld id="{1CFB49CA-E029-42F2-9641-D3C8C8AE1224}" type="datetimeFigureOut">
               <a:rPr lang="he-IL" smtClean="0"/>
-              <a:t>כ'/ניסן/תשפ"א</a:t>
+              <a:t>כ"א/ניסן/תשפ"א</a:t>
             </a:fld>
             <a:endParaRPr lang="he-IL"/>
           </a:p>
@@ -11423,7 +11428,7 @@
           <a:p>
             <a:fld id="{1CFB49CA-E029-42F2-9641-D3C8C8AE1224}" type="datetimeFigureOut">
               <a:rPr lang="he-IL" smtClean="0"/>
-              <a:t>כ'/ניסן/תשפ"א</a:t>
+              <a:t>כ"א/ניסן/תשפ"א</a:t>
             </a:fld>
             <a:endParaRPr lang="he-IL"/>
           </a:p>
@@ -11564,7 +11569,7 @@
           <a:p>
             <a:fld id="{1CFB49CA-E029-42F2-9641-D3C8C8AE1224}" type="datetimeFigureOut">
               <a:rPr lang="he-IL" smtClean="0"/>
-              <a:t>כ'/ניסן/תשפ"א</a:t>
+              <a:t>כ"א/ניסן/תשפ"א</a:t>
             </a:fld>
             <a:endParaRPr lang="he-IL"/>
           </a:p>
@@ -11677,7 +11682,7 @@
           <a:p>
             <a:fld id="{1CFB49CA-E029-42F2-9641-D3C8C8AE1224}" type="datetimeFigureOut">
               <a:rPr lang="he-IL" smtClean="0"/>
-              <a:t>כ'/ניסן/תשפ"א</a:t>
+              <a:t>כ"א/ניסן/תשפ"א</a:t>
             </a:fld>
             <a:endParaRPr lang="he-IL"/>
           </a:p>
@@ -11988,7 +11993,7 @@
           <a:p>
             <a:fld id="{1CFB49CA-E029-42F2-9641-D3C8C8AE1224}" type="datetimeFigureOut">
               <a:rPr lang="he-IL" smtClean="0"/>
-              <a:t>כ'/ניסן/תשפ"א</a:t>
+              <a:t>כ"א/ניסן/תשפ"א</a:t>
             </a:fld>
             <a:endParaRPr lang="he-IL"/>
           </a:p>
@@ -12276,7 +12281,7 @@
           <a:p>
             <a:fld id="{1CFB49CA-E029-42F2-9641-D3C8C8AE1224}" type="datetimeFigureOut">
               <a:rPr lang="he-IL" smtClean="0"/>
-              <a:t>כ'/ניסן/תשפ"א</a:t>
+              <a:t>כ"א/ניסן/תשפ"א</a:t>
             </a:fld>
             <a:endParaRPr lang="he-IL"/>
           </a:p>
@@ -12517,7 +12522,7 @@
           <a:p>
             <a:fld id="{1CFB49CA-E029-42F2-9641-D3C8C8AE1224}" type="datetimeFigureOut">
               <a:rPr lang="he-IL" smtClean="0"/>
-              <a:t>כ'/ניסן/תשפ"א</a:t>
+              <a:t>כ"א/ניסן/תשפ"א</a:t>
             </a:fld>
             <a:endParaRPr lang="he-IL"/>
           </a:p>
@@ -14052,6 +14057,14 @@
 <file path=ppt/slides/slide10.xml><?xml version="1.0" encoding="utf-8"?>
 <p:sld xmlns:a="http://schemas.openxmlformats.org/drawingml/2006/main" xmlns:r="http://schemas.openxmlformats.org/officeDocument/2006/relationships" xmlns:p="http://schemas.openxmlformats.org/presentationml/2006/main">
   <p:cSld>
+    <p:bg>
+      <p:bgPr>
+        <a:solidFill>
+          <a:schemeClr val="bg1"/>
+        </a:solidFill>
+        <a:effectLst/>
+      </p:bgPr>
+    </p:bg>
     <p:spTree>
       <p:nvGrpSpPr>
         <p:cNvPr id="1" name=""/>
@@ -14066,6 +14079,319 @@
           <a:chExt cx="0" cy="0"/>
         </a:xfrm>
       </p:grpSpPr>
+      <p:sp useBgFill="1">
+        <p:nvSpPr>
+          <p:cNvPr id="71" name="Rectangle 70">
+            <a:extLst>
+              <a:ext uri="{FF2B5EF4-FFF2-40B4-BE49-F238E27FC236}">
+                <a16:creationId xmlns:a16="http://schemas.microsoft.com/office/drawing/2014/main" id="{460B0EFB-53ED-4F35-B05D-F658EA021C65}"/>
+              </a:ext>
+              <a:ext uri="{C183D7F6-B498-43B3-948B-1728B52AA6E4}">
+                <adec:decorative xmlns:adec="http://schemas.microsoft.com/office/drawing/2017/decorative" val="1"/>
+              </a:ext>
+            </a:extLst>
+          </p:cNvPr>
+          <p:cNvSpPr>
+            <a:spLocks noGrp="1" noRot="1" noChangeAspect="1" noMove="1" noResize="1" noEditPoints="1" noAdjustHandles="1" noChangeArrowheads="1" noChangeShapeType="1" noTextEdit="1"/>
+          </p:cNvSpPr>
+          <p:nvPr>
+            <p:extLst>
+              <p:ext uri="{386F3935-93C4-4BCD-93E2-E3B085C9AB24}">
+                <p16:designElem xmlns:p16="http://schemas.microsoft.com/office/powerpoint/2015/main" val="1"/>
+              </p:ext>
+            </p:extLst>
+          </p:nvPr>
+        </p:nvSpPr>
+        <p:spPr bwMode="white">
+          <a:xfrm>
+            <a:off x="0" y="0"/>
+            <a:ext cx="12192000" cy="6858000"/>
+          </a:xfrm>
+          <a:prstGeom prst="rect">
+            <a:avLst/>
+          </a:prstGeom>
+          <a:ln>
+            <a:noFill/>
+          </a:ln>
+        </p:spPr>
+        <p:style>
+          <a:lnRef idx="2">
+            <a:schemeClr val="accent1">
+              <a:shade val="50000"/>
+            </a:schemeClr>
+          </a:lnRef>
+          <a:fillRef idx="1">
+            <a:schemeClr val="accent1"/>
+          </a:fillRef>
+          <a:effectRef idx="0">
+            <a:schemeClr val="accent1"/>
+          </a:effectRef>
+          <a:fontRef idx="minor">
+            <a:schemeClr val="lt1"/>
+          </a:fontRef>
+        </p:style>
+        <p:txBody>
+          <a:bodyPr rtlCol="0" anchor="ctr"/>
+          <a:lstStyle>
+            <a:defPPr>
+              <a:defRPr lang="en-US"/>
+            </a:defPPr>
+            <a:lvl1pPr marL="0" algn="l" defTabSz="914400" rtl="0" eaLnBrk="1" latinLnBrk="0" hangingPunct="1">
+              <a:defRPr sz="1800" kern="1200">
+                <a:solidFill>
+                  <a:schemeClr val="lt1"/>
+                </a:solidFill>
+                <a:latin typeface="+mn-lt"/>
+                <a:ea typeface="+mn-ea"/>
+                <a:cs typeface="+mn-cs"/>
+              </a:defRPr>
+            </a:lvl1pPr>
+            <a:lvl2pPr marL="457200" algn="l" defTabSz="914400" rtl="0" eaLnBrk="1" latinLnBrk="0" hangingPunct="1">
+              <a:defRPr sz="1800" kern="1200">
+                <a:solidFill>
+                  <a:schemeClr val="lt1"/>
+                </a:solidFill>
+                <a:latin typeface="+mn-lt"/>
+                <a:ea typeface="+mn-ea"/>
+                <a:cs typeface="+mn-cs"/>
+              </a:defRPr>
+            </a:lvl2pPr>
+            <a:lvl3pPr marL="914400" algn="l" defTabSz="914400" rtl="0" eaLnBrk="1" latinLnBrk="0" hangingPunct="1">
+              <a:defRPr sz="1800" kern="1200">
+                <a:solidFill>
+                  <a:schemeClr val="lt1"/>
+                </a:solidFill>
+                <a:latin typeface="+mn-lt"/>
+                <a:ea typeface="+mn-ea"/>
+                <a:cs typeface="+mn-cs"/>
+              </a:defRPr>
+            </a:lvl3pPr>
+            <a:lvl4pPr marL="1371600" algn="l" defTabSz="914400" rtl="0" eaLnBrk="1" latinLnBrk="0" hangingPunct="1">
+              <a:defRPr sz="1800" kern="1200">
+                <a:solidFill>
+                  <a:schemeClr val="lt1"/>
+                </a:solidFill>
+                <a:latin typeface="+mn-lt"/>
+                <a:ea typeface="+mn-ea"/>
+                <a:cs typeface="+mn-cs"/>
+              </a:defRPr>
+            </a:lvl4pPr>
+            <a:lvl5pPr marL="1828800" algn="l" defTabSz="914400" rtl="0" eaLnBrk="1" latinLnBrk="0" hangingPunct="1">
+              <a:defRPr sz="1800" kern="1200">
+                <a:solidFill>
+                  <a:schemeClr val="lt1"/>
+                </a:solidFill>
+                <a:latin typeface="+mn-lt"/>
+                <a:ea typeface="+mn-ea"/>
+                <a:cs typeface="+mn-cs"/>
+              </a:defRPr>
+            </a:lvl5pPr>
+            <a:lvl6pPr marL="2286000" algn="l" defTabSz="914400" rtl="0" eaLnBrk="1" latinLnBrk="0" hangingPunct="1">
+              <a:defRPr sz="1800" kern="1200">
+                <a:solidFill>
+                  <a:schemeClr val="lt1"/>
+                </a:solidFill>
+                <a:latin typeface="+mn-lt"/>
+                <a:ea typeface="+mn-ea"/>
+                <a:cs typeface="+mn-cs"/>
+              </a:defRPr>
+            </a:lvl6pPr>
+            <a:lvl7pPr marL="2743200" algn="l" defTabSz="914400" rtl="0" eaLnBrk="1" latinLnBrk="0" hangingPunct="1">
+              <a:defRPr sz="1800" kern="1200">
+                <a:solidFill>
+                  <a:schemeClr val="lt1"/>
+                </a:solidFill>
+                <a:latin typeface="+mn-lt"/>
+                <a:ea typeface="+mn-ea"/>
+                <a:cs typeface="+mn-cs"/>
+              </a:defRPr>
+            </a:lvl7pPr>
+            <a:lvl8pPr marL="3200400" algn="l" defTabSz="914400" rtl="0" eaLnBrk="1" latinLnBrk="0" hangingPunct="1">
+              <a:defRPr sz="1800" kern="1200">
+                <a:solidFill>
+                  <a:schemeClr val="lt1"/>
+                </a:solidFill>
+                <a:latin typeface="+mn-lt"/>
+                <a:ea typeface="+mn-ea"/>
+                <a:cs typeface="+mn-cs"/>
+              </a:defRPr>
+            </a:lvl8pPr>
+            <a:lvl9pPr marL="3657600" algn="l" defTabSz="914400" rtl="0" eaLnBrk="1" latinLnBrk="0" hangingPunct="1">
+              <a:defRPr sz="1800" kern="1200">
+                <a:solidFill>
+                  <a:schemeClr val="lt1"/>
+                </a:solidFill>
+                <a:latin typeface="+mn-lt"/>
+                <a:ea typeface="+mn-ea"/>
+                <a:cs typeface="+mn-cs"/>
+              </a:defRPr>
+            </a:lvl9pPr>
+          </a:lstStyle>
+          <a:p>
+            <a:pPr algn="ctr"/>
+            <a:endParaRPr lang="en-US"/>
+          </a:p>
+        </p:txBody>
+      </p:sp>
+      <p:pic>
+        <p:nvPicPr>
+          <p:cNvPr id="3074" name="Picture 2" descr="Join One Of The World's Largest Movements for Nature | Earth Hour 2021">
+            <a:extLst>
+              <a:ext uri="{FF2B5EF4-FFF2-40B4-BE49-F238E27FC236}">
+                <a16:creationId xmlns:a16="http://schemas.microsoft.com/office/drawing/2014/main" id="{1D3A55C0-01B3-4E1B-95A4-AC19FDA43F7E}"/>
+              </a:ext>
+            </a:extLst>
+          </p:cNvPr>
+          <p:cNvPicPr>
+            <a:picLocks noChangeAspect="1" noChangeArrowheads="1"/>
+          </p:cNvPicPr>
+          <p:nvPr/>
+        </p:nvPicPr>
+        <p:blipFill rotWithShape="1">
+          <a:blip r:embed="rId2">
+            <a:extLst>
+              <a:ext uri="{28A0092B-C50C-407E-A947-70E740481C1C}">
+                <a14:useLocalDpi xmlns:a14="http://schemas.microsoft.com/office/drawing/2010/main" val="0"/>
+              </a:ext>
+            </a:extLst>
+          </a:blip>
+          <a:srcRect l="13656"/>
+          <a:stretch/>
+        </p:blipFill>
+        <p:spPr bwMode="auto">
+          <a:xfrm>
+            <a:off x="-7365" y="10"/>
+            <a:ext cx="3950722" cy="4538997"/>
+          </a:xfrm>
+          <a:custGeom>
+            <a:avLst/>
+            <a:gdLst/>
+            <a:ahLst/>
+            <a:cxnLst/>
+            <a:rect l="l" t="t" r="r" b="b"/>
+            <a:pathLst>
+              <a:path w="4636517" h="6858000">
+                <a:moveTo>
+                  <a:pt x="0" y="0"/>
+                </a:moveTo>
+                <a:lnTo>
+                  <a:pt x="4636517" y="0"/>
+                </a:lnTo>
+                <a:lnTo>
+                  <a:pt x="4636517" y="6858000"/>
+                </a:lnTo>
+                <a:lnTo>
+                  <a:pt x="0" y="6858000"/>
+                </a:lnTo>
+                <a:close/>
+              </a:path>
+            </a:pathLst>
+          </a:custGeom>
+          <a:noFill/>
+          <a:extLst>
+            <a:ext uri="{909E8E84-426E-40DD-AFC4-6F175D3DCCD1}">
+              <a14:hiddenFill xmlns:a14="http://schemas.microsoft.com/office/drawing/2010/main">
+                <a:solidFill>
+                  <a:srgbClr val="FFFFFF"/>
+                </a:solidFill>
+              </a14:hiddenFill>
+            </a:ext>
+          </a:extLst>
+        </p:spPr>
+      </p:pic>
+      <p:sp>
+        <p:nvSpPr>
+          <p:cNvPr id="3086" name="!!Arc">
+            <a:extLst>
+              <a:ext uri="{FF2B5EF4-FFF2-40B4-BE49-F238E27FC236}">
+                <a16:creationId xmlns:a16="http://schemas.microsoft.com/office/drawing/2014/main" id="{835EF3DD-7D43-4A27-8967-A92FD8CC9365}"/>
+              </a:ext>
+              <a:ext uri="{C183D7F6-B498-43B3-948B-1728B52AA6E4}">
+                <adec:decorative xmlns:adec="http://schemas.microsoft.com/office/drawing/2017/decorative" val="1"/>
+              </a:ext>
+            </a:extLst>
+          </p:cNvPr>
+          <p:cNvSpPr>
+            <a:spLocks noGrp="1" noRot="1" noChangeAspect="1" noMove="1" noResize="1" noEditPoints="1" noAdjustHandles="1" noChangeArrowheads="1" noChangeShapeType="1" noTextEdit="1"/>
+          </p:cNvSpPr>
+          <p:nvPr>
+            <p:extLst>
+              <p:ext uri="{386F3935-93C4-4BCD-93E2-E3B085C9AB24}">
+                <p16:designElem xmlns:p16="http://schemas.microsoft.com/office/powerpoint/2015/main" val="1"/>
+              </p:ext>
+            </p:extLst>
+          </p:nvPr>
+        </p:nvSpPr>
+        <p:spPr>
+          <a:xfrm>
+            <a:off x="8673531" y="407987"/>
+            <a:ext cx="2987899" cy="2987899"/>
+          </a:xfrm>
+          <a:prstGeom prst="arc">
+            <a:avLst>
+              <a:gd name="adj1" fmla="val 16200000"/>
+              <a:gd name="adj2" fmla="val 2563720"/>
+            </a:avLst>
+          </a:prstGeom>
+          <a:ln w="127000" cap="rnd">
+            <a:solidFill>
+              <a:schemeClr val="accent4"/>
+            </a:solidFill>
+            <a:prstDash val="dash"/>
+          </a:ln>
+        </p:spPr>
+        <p:style>
+          <a:lnRef idx="1">
+            <a:schemeClr val="accent1"/>
+          </a:lnRef>
+          <a:fillRef idx="0">
+            <a:schemeClr val="accent1"/>
+          </a:fillRef>
+          <a:effectRef idx="0">
+            <a:schemeClr val="accent1"/>
+          </a:effectRef>
+          <a:fontRef idx="minor">
+            <a:schemeClr val="tx1"/>
+          </a:fontRef>
+        </p:style>
+        <p:txBody>
+          <a:bodyPr rtlCol="0" anchor="ctr"/>
+          <a:lstStyle/>
+          <a:p>
+            <a:pPr marL="0" marR="0" lvl="0" indent="0" algn="ctr" defTabSz="914400" rtl="0" eaLnBrk="1" fontAlgn="auto" latinLnBrk="0" hangingPunct="1">
+              <a:lnSpc>
+                <a:spcPct val="100000"/>
+              </a:lnSpc>
+              <a:spcBef>
+                <a:spcPts val="0"/>
+              </a:spcBef>
+              <a:spcAft>
+                <a:spcPts val="0"/>
+              </a:spcAft>
+              <a:buClrTx/>
+              <a:buSzTx/>
+              <a:buFontTx/>
+              <a:buNone/>
+              <a:tabLst/>
+              <a:defRPr/>
+            </a:pPr>
+            <a:endParaRPr kumimoji="0" lang="en-US" sz="1800" b="0" i="0" u="none" strike="noStrike" kern="1200" cap="none" spc="0" normalizeH="0" baseline="0" noProof="0">
+              <a:ln>
+                <a:noFill/>
+              </a:ln>
+              <a:solidFill>
+                <a:srgbClr val="000000"/>
+              </a:solidFill>
+              <a:effectLst/>
+              <a:uLnTx/>
+              <a:uFillTx/>
+              <a:latin typeface="Calibri" panose="020F0502020204030204"/>
+              <a:ea typeface="+mn-ea"/>
+              <a:cs typeface="+mn-cs"/>
+            </a:endParaRPr>
+          </a:p>
+        </p:txBody>
+      </p:sp>
       <p:sp>
         <p:nvSpPr>
           <p:cNvPr id="4" name="כותרת 1">
@@ -14084,12 +14410,14 @@
         </p:nvSpPr>
         <p:spPr>
           <a:xfrm>
-            <a:off x="838200" y="365125"/>
-            <a:ext cx="10515600" cy="1325563"/>
+            <a:off x="4941651" y="-1055"/>
+            <a:ext cx="5721484" cy="1325563"/>
           </a:xfrm>
         </p:spPr>
         <p:txBody>
-          <a:bodyPr/>
+          <a:bodyPr>
+            <a:normAutofit/>
+          </a:bodyPr>
           <a:lstStyle/>
           <a:p>
             <a:pPr algn="l" rtl="0"/>
@@ -14119,13 +14447,13 @@
         </p:nvSpPr>
         <p:spPr>
           <a:xfrm>
-            <a:off x="838200" y="1690688"/>
-            <a:ext cx="10515600" cy="5167312"/>
+            <a:off x="4213781" y="999241"/>
+            <a:ext cx="7985585" cy="5858759"/>
           </a:xfrm>
         </p:spPr>
         <p:txBody>
           <a:bodyPr>
-            <a:normAutofit/>
+            <a:noAutofit/>
           </a:bodyPr>
           <a:lstStyle/>
           <a:p>
@@ -14133,11 +14461,7 @@
               <a:buNone/>
             </a:pPr>
             <a:r>
-              <a:rPr lang="en-US" dirty="0">
-                <a:solidFill>
-                  <a:srgbClr val="000000"/>
-                </a:solidFill>
-              </a:rPr>
+              <a:rPr lang="en-US" dirty="0"/>
               <a:t>This file is used for the implementation of one method:</a:t>
             </a:r>
           </a:p>
@@ -14146,27 +14470,15 @@
               <a:buNone/>
             </a:pPr>
             <a:r>
-              <a:rPr lang="en-US" altLang="he-IL" b="1" dirty="0">
-                <a:solidFill>
-                  <a:srgbClr val="000000"/>
-                </a:solidFill>
-              </a:rPr>
+              <a:rPr lang="en-US" altLang="he-IL" b="1" dirty="0"/>
               <a:t>search</a:t>
             </a:r>
             <a:r>
-              <a:rPr lang="he-IL" altLang="he-IL" dirty="0">
-                <a:solidFill>
-                  <a:srgbClr val="000000"/>
-                </a:solidFill>
-              </a:rPr>
+              <a:rPr lang="he-IL" altLang="he-IL" dirty="0"/>
               <a:t> </a:t>
             </a:r>
             <a:r>
-              <a:rPr lang="en-US" altLang="he-IL" dirty="0">
-                <a:solidFill>
-                  <a:srgbClr val="000000"/>
-                </a:solidFill>
-              </a:rPr>
+              <a:rPr lang="en-US" altLang="he-IL" dirty="0"/>
               <a:t>- method.</a:t>
             </a:r>
           </a:p>
@@ -14175,16 +14487,12 @@
               <a:buNone/>
             </a:pPr>
             <a:r>
-              <a:rPr lang="en-US" altLang="he-IL" dirty="0">
-                <a:solidFill>
-                  <a:srgbClr val="000000"/>
-                </a:solidFill>
-              </a:rPr>
+              <a:rPr lang="en-US" altLang="he-IL" dirty="0"/>
               <a:t>Input: one parameter from type </a:t>
             </a:r>
             <a:r>
               <a:rPr lang="en-US" dirty="0"/>
-              <a:t>list. Assuming list’s items are strings:</a:t>
+              <a:t>list. </a:t>
             </a:r>
           </a:p>
           <a:p>
@@ -14193,7 +14501,7 @@
             </a:pPr>
             <a:r>
               <a:rPr lang="en-US" dirty="0"/>
-              <a:t>1. radius - number and its unit [mm, cm, m, km...].</a:t>
+              <a:t>Assuming list’s items are the following strings:</a:t>
             </a:r>
           </a:p>
           <a:p>
@@ -14202,7 +14510,7 @@
             </a:pPr>
             <a:r>
               <a:rPr lang="en-US" dirty="0"/>
-              <a:t>2. Latitude – number. 3. Longitude – number.</a:t>
+              <a:t>1. radius - number and its unit [mm, cm, m, km...].</a:t>
             </a:r>
           </a:p>
           <a:p>
@@ -14211,7 +14519,7 @@
             </a:pPr>
             <a:r>
               <a:rPr lang="en-US" dirty="0"/>
-              <a:t>Algorithm:</a:t>
+              <a:t>2. Latitude – number. 3. Longitude – number.</a:t>
             </a:r>
           </a:p>
           <a:p>
@@ -14219,16 +14527,8 @@
               <a:buNone/>
             </a:pPr>
             <a:r>
-              <a:rPr lang="en-US" b="1" dirty="0"/>
-              <a:t>Call the </a:t>
-            </a:r>
-            <a:r>
-              <a:rPr lang="en-US" b="1" dirty="0" err="1"/>
-              <a:t>builded</a:t>
-            </a:r>
-            <a:r>
-              <a:rPr lang="en-US" b="1" dirty="0"/>
-              <a:t> engine to get doc{label} of all labels</a:t>
+              <a:rPr lang="en-US" dirty="0"/>
+              <a:t>Algorithm:</a:t>
             </a:r>
           </a:p>
           <a:p>
@@ -14237,7 +14537,7 @@
             </a:pPr>
             <a:r>
               <a:rPr lang="en-US" b="1" dirty="0"/>
-              <a:t>in the defined area.</a:t>
+              <a:t>Call the built engine to get doc{label} of all labels</a:t>
             </a:r>
           </a:p>
           <a:p>
@@ -14246,7 +14546,7 @@
             </a:pPr>
             <a:r>
               <a:rPr lang="en-US" b="1" dirty="0"/>
-              <a:t>For every label – add the distance from the input.</a:t>
+              <a:t>in the defined area.</a:t>
             </a:r>
           </a:p>
           <a:p>
@@ -14255,43 +14555,25 @@
             </a:pPr>
             <a:r>
               <a:rPr lang="en-US" b="1" dirty="0"/>
-              <a:t>Return all this data as list of </a:t>
-            </a:r>
-            <a:r>
-              <a:rPr lang="en-US" b="1" dirty="0" err="1"/>
-              <a:t>dicts</a:t>
-            </a:r>
-            <a:r>
-              <a:rPr lang="en-US" b="1" dirty="0"/>
-              <a:t>.</a:t>
+              <a:t>For every label – add the distance from the input.</a:t>
             </a:r>
           </a:p>
           <a:p>
             <a:pPr marL="0" indent="0" algn="l" rtl="0">
               <a:buNone/>
             </a:pPr>
-            <a:endParaRPr lang="en-US" dirty="0"/>
-          </a:p>
-          <a:p>
-            <a:pPr marL="0" indent="0" algn="l" rtl="0">
-              <a:buNone/>
-            </a:pPr>
-            <a:endParaRPr lang="en-US" dirty="0"/>
-          </a:p>
-          <a:p>
-            <a:pPr marL="0" indent="0" algn="l" rtl="0">
-              <a:buNone/>
-            </a:pPr>
-            <a:endParaRPr lang="en-US" dirty="0">
-              <a:solidFill>
-                <a:srgbClr val="000000"/>
-              </a:solidFill>
-            </a:endParaRPr>
-          </a:p>
-          <a:p>
-            <a:pPr marL="0" indent="0" algn="l" rtl="0">
-              <a:buNone/>
-            </a:pPr>
+            <a:r>
+              <a:rPr lang="en-US" b="1" dirty="0"/>
+              <a:t>Return all this data as list of </a:t>
+            </a:r>
+            <a:r>
+              <a:rPr lang="en-US" b="1" dirty="0" err="1"/>
+              <a:t>dicts</a:t>
+            </a:r>
+            <a:r>
+              <a:rPr lang="en-US" b="1" dirty="0"/>
+              <a:t>.</a:t>
+            </a:r>
             <a:endParaRPr lang="en-US" dirty="0"/>
           </a:p>
         </p:txBody>
@@ -14310,8 +14592,8 @@
         </p:nvSpPr>
         <p:spPr>
           <a:xfrm>
-            <a:off x="8864338" y="4350472"/>
-            <a:ext cx="2997724" cy="2318993"/>
+            <a:off x="-7365" y="4539007"/>
+            <a:ext cx="3950722" cy="2318993"/>
           </a:xfrm>
           <a:prstGeom prst="rect">
             <a:avLst/>
@@ -14337,14 +14619,22 @@
           <a:bodyPr rtlCol="1" anchor="ctr"/>
           <a:lstStyle/>
           <a:p>
-            <a:pPr algn="ctr"/>
+            <a:pPr algn="ctr">
+              <a:spcAft>
+                <a:spcPts val="600"/>
+              </a:spcAft>
+            </a:pPr>
             <a:r>
               <a:rPr lang="en-US" sz="2000" dirty="0"/>
               <a:t>doc{label}:</a:t>
             </a:r>
           </a:p>
           <a:p>
-            <a:pPr algn="ctr"/>
+            <a:pPr algn="ctr">
+              <a:spcAft>
+                <a:spcPts val="600"/>
+              </a:spcAft>
+            </a:pPr>
             <a:r>
               <a:rPr lang="en-US" altLang="he-IL" b="1" dirty="0">
                 <a:solidFill>
@@ -14371,7 +14661,11 @@
             </a:endParaRPr>
           </a:p>
           <a:p>
-            <a:pPr algn="ctr"/>
+            <a:pPr algn="ctr">
+              <a:spcAft>
+                <a:spcPts val="600"/>
+              </a:spcAft>
+            </a:pPr>
             <a:r>
               <a:rPr lang="en-US" b="1" dirty="0">
                 <a:solidFill>
@@ -14383,7 +14677,11 @@
             </a:r>
           </a:p>
           <a:p>
-            <a:pPr algn="ctr"/>
+            <a:pPr algn="ctr">
+              <a:spcAft>
+                <a:spcPts val="600"/>
+              </a:spcAft>
+            </a:pPr>
             <a:r>
               <a:rPr lang="en-US" b="1" dirty="0" err="1">
                 <a:solidFill>
@@ -14401,7 +14699,11 @@
             </a:endParaRPr>
           </a:p>
           <a:p>
-            <a:pPr algn="ctr"/>
+            <a:pPr algn="ctr">
+              <a:spcAft>
+                <a:spcPts val="600"/>
+              </a:spcAft>
+            </a:pPr>
             <a:r>
               <a:rPr lang="en-US" b="1" dirty="0">
                 <a:solidFill>
@@ -14419,7 +14721,11 @@
             </a:endParaRPr>
           </a:p>
           <a:p>
-            <a:pPr algn="ctr"/>
+            <a:pPr algn="ctr">
+              <a:spcAft>
+                <a:spcPts val="600"/>
+              </a:spcAft>
+            </a:pPr>
             <a:endParaRPr lang="he-IL" b="1" dirty="0">
               <a:solidFill>
                 <a:schemeClr val="tx1"/>
@@ -14444,13 +14750,13 @@
           <p:nvPr/>
         </p:nvCxnSpPr>
         <p:spPr>
-          <a:xfrm flipV="1">
-            <a:off x="5533534" y="4741682"/>
-            <a:ext cx="3330804" cy="141406"/>
+          <a:xfrm rot="10800000">
+            <a:off x="3926512" y="4817099"/>
+            <a:ext cx="5236342" cy="207389"/>
           </a:xfrm>
           <a:prstGeom prst="bentConnector3">
             <a:avLst>
-              <a:gd name="adj1" fmla="val -94"/>
+              <a:gd name="adj1" fmla="val 313"/>
             </a:avLst>
           </a:prstGeom>
           <a:ln>
@@ -14753,7 +15059,7 @@
                   <a:srgbClr val="FFFFFF"/>
                 </a:solidFill>
               </a:rPr>
-              <a:t>This file is a wrapper between the server and the method ‘search’.</a:t>
+              <a:t>This file is a wrapper between the user and the method ‘search’.</a:t>
             </a:r>
           </a:p>
           <a:p>
@@ -14847,7 +15153,7 @@
                   <a:srgbClr val="FFFFFF"/>
                 </a:solidFill>
               </a:rPr>
-              <a:t>Extract the input to the way search is excepted (detailed in the previous slide).</a:t>
+              <a:t>Extract the input to the format search is excepting (detailed in the previous slide).</a:t>
             </a:r>
           </a:p>
           <a:p>
@@ -15132,7 +15438,7 @@
             <a:pPr algn="l" rtl="0"/>
             <a:r>
               <a:rPr lang="en-US" dirty="0"/>
-              <a:t>table of contents</a:t>
+              <a:t>Table of contents</a:t>
             </a:r>
             <a:endParaRPr lang="he-IL" dirty="0"/>
           </a:p>
@@ -15794,7 +16100,7 @@
               <a:buNone/>
             </a:pPr>
             <a:r>
-              <a:rPr lang="en-US" sz="2400" dirty="0"/>
+              <a:rPr lang="en-US" sz="2400" b="1" dirty="0"/>
               <a:t>This former project is using Wikipedia dump files to produce 2 json files containing all entries in Wikipedia Hebrew with the following data:</a:t>
             </a:r>
           </a:p>
@@ -15838,7 +16144,7 @@
             </a:pPr>
             <a:r>
               <a:rPr lang="en-US" sz="2400" dirty="0"/>
-              <a:t>"abstract" - this name is taken from Wikipedia dump files and contain the same data. This data is based on the information in the Wikipedia page.</a:t>
+              <a:t>"abstract" - this name is taken from Wikipedia dump files and contain the same data. This data is based on the information in the Wikipedia page. Some labels have no abstract.</a:t>
             </a:r>
           </a:p>
           <a:p>
@@ -16429,7 +16735,7 @@
               <a:buNone/>
             </a:pPr>
             <a:r>
-              <a:rPr lang="en-US" sz="2400" dirty="0"/>
+              <a:rPr lang="en-US" sz="2400" b="1" dirty="0"/>
               <a:t>		return the location.</a:t>
             </a:r>
           </a:p>
@@ -16997,7 +17303,7 @@
                   <a:srgbClr val="000000"/>
                 </a:solidFill>
               </a:rPr>
-              <a:t>This class is extracting the data in the 2 files from “input” directory.</a:t>
+              <a:t>This class is extracting the data from the 2 files in “input” directory (slide 4).</a:t>
             </a:r>
           </a:p>
           <a:p>
@@ -17611,6 +17917,103 @@
           </a:fontRef>
         </p:style>
       </p:cxnSp>
+      <p:pic>
+        <p:nvPicPr>
+          <p:cNvPr id="2" name="Picture 6">
+            <a:extLst>
+              <a:ext uri="{FF2B5EF4-FFF2-40B4-BE49-F238E27FC236}">
+                <a16:creationId xmlns:a16="http://schemas.microsoft.com/office/drawing/2014/main" id="{C75D27D4-3F0F-4E17-BBEE-035582E0CFFD}"/>
+              </a:ext>
+            </a:extLst>
+          </p:cNvPr>
+          <p:cNvPicPr>
+            <a:picLocks noChangeAspect="1" noChangeArrowheads="1"/>
+          </p:cNvPicPr>
+          <p:nvPr/>
+        </p:nvPicPr>
+        <p:blipFill>
+          <a:blip r:embed="rId2">
+            <a:extLst>
+              <a:ext uri="{28A0092B-C50C-407E-A947-70E740481C1C}">
+                <a14:useLocalDpi xmlns:a14="http://schemas.microsoft.com/office/drawing/2010/main" val="0"/>
+              </a:ext>
+            </a:extLst>
+          </a:blip>
+          <a:srcRect/>
+          <a:stretch>
+            <a:fillRect/>
+          </a:stretch>
+        </p:blipFill>
+        <p:spPr bwMode="auto">
+          <a:xfrm>
+            <a:off x="7051249" y="150829"/>
+            <a:ext cx="5140753" cy="3419475"/>
+          </a:xfrm>
+          <a:prstGeom prst="rect">
+            <a:avLst/>
+          </a:prstGeom>
+          <a:noFill/>
+          <a:extLst>
+            <a:ext uri="{909E8E84-426E-40DD-AFC4-6F175D3DCCD1}">
+              <a14:hiddenFill xmlns:a14="http://schemas.microsoft.com/office/drawing/2010/main">
+                <a:solidFill>
+                  <a:srgbClr val="FFFFFF"/>
+                </a:solidFill>
+              </a14:hiddenFill>
+            </a:ext>
+          </a:extLst>
+        </p:spPr>
+      </p:pic>
+      <p:sp>
+        <p:nvSpPr>
+          <p:cNvPr id="3" name="מלבן 2">
+            <a:extLst>
+              <a:ext uri="{FF2B5EF4-FFF2-40B4-BE49-F238E27FC236}">
+                <a16:creationId xmlns:a16="http://schemas.microsoft.com/office/drawing/2014/main" id="{F57AC8A3-0DEC-4C5F-94E6-70C8CE4FC71C}"/>
+              </a:ext>
+            </a:extLst>
+          </p:cNvPr>
+          <p:cNvSpPr/>
+          <p:nvPr/>
+        </p:nvSpPr>
+        <p:spPr>
+          <a:xfrm>
+            <a:off x="10684106" y="128439"/>
+            <a:ext cx="1339388" cy="505464"/>
+          </a:xfrm>
+          <a:prstGeom prst="rect">
+            <a:avLst/>
+          </a:prstGeom>
+        </p:spPr>
+        <p:style>
+          <a:lnRef idx="2">
+            <a:schemeClr val="dk1">
+              <a:shade val="50000"/>
+            </a:schemeClr>
+          </a:lnRef>
+          <a:fillRef idx="1">
+            <a:schemeClr val="dk1"/>
+          </a:fillRef>
+          <a:effectRef idx="0">
+            <a:schemeClr val="dk1"/>
+          </a:effectRef>
+          <a:fontRef idx="minor">
+            <a:schemeClr val="lt1"/>
+          </a:fontRef>
+        </p:style>
+        <p:txBody>
+          <a:bodyPr rtlCol="1" anchor="ctr"/>
+          <a:lstStyle/>
+          <a:p>
+            <a:pPr algn="ctr"/>
+            <a:r>
+              <a:rPr lang="en-US" b="1" dirty="0" err="1"/>
+              <a:t>MediaWiki</a:t>
+            </a:r>
+            <a:endParaRPr lang="he-IL" dirty="0"/>
+          </a:p>
+        </p:txBody>
+      </p:sp>
     </p:spTree>
     <p:extLst>
       <p:ext uri="{BB962C8B-B14F-4D97-AF65-F5344CB8AC3E}">

--- a/high_level_presentation.pptx
+++ b/high_level_presentation.pptx
@@ -9872,7 +9872,7 @@
           <a:p>
             <a:fld id="{1CFB49CA-E029-42F2-9641-D3C8C8AE1224}" type="datetimeFigureOut">
               <a:rPr lang="he-IL" smtClean="0"/>
-              <a:t>כ"א/ניסן/תשפ"א</a:t>
+              <a:t>כ"ב/ניסן/תשפ"א</a:t>
             </a:fld>
             <a:endParaRPr lang="he-IL"/>
           </a:p>
@@ -10070,7 +10070,7 @@
           <a:p>
             <a:fld id="{1CFB49CA-E029-42F2-9641-D3C8C8AE1224}" type="datetimeFigureOut">
               <a:rPr lang="he-IL" smtClean="0"/>
-              <a:t>כ"א/ניסן/תשפ"א</a:t>
+              <a:t>כ"ב/ניסן/תשפ"א</a:t>
             </a:fld>
             <a:endParaRPr lang="he-IL"/>
           </a:p>
@@ -10278,7 +10278,7 @@
           <a:p>
             <a:fld id="{1CFB49CA-E029-42F2-9641-D3C8C8AE1224}" type="datetimeFigureOut">
               <a:rPr lang="he-IL" smtClean="0"/>
-              <a:t>כ"א/ניסן/תשפ"א</a:t>
+              <a:t>כ"ב/ניסן/תשפ"א</a:t>
             </a:fld>
             <a:endParaRPr lang="he-IL"/>
           </a:p>
@@ -10476,7 +10476,7 @@
           <a:p>
             <a:fld id="{1CFB49CA-E029-42F2-9641-D3C8C8AE1224}" type="datetimeFigureOut">
               <a:rPr lang="he-IL" smtClean="0"/>
-              <a:t>כ"א/ניסן/תשפ"א</a:t>
+              <a:t>כ"ב/ניסן/תשפ"א</a:t>
             </a:fld>
             <a:endParaRPr lang="he-IL"/>
           </a:p>
@@ -10751,7 +10751,7 @@
           <a:p>
             <a:fld id="{1CFB49CA-E029-42F2-9641-D3C8C8AE1224}" type="datetimeFigureOut">
               <a:rPr lang="he-IL" smtClean="0"/>
-              <a:t>כ"א/ניסן/תשפ"א</a:t>
+              <a:t>כ"ב/ניסן/תשפ"א</a:t>
             </a:fld>
             <a:endParaRPr lang="he-IL"/>
           </a:p>
@@ -11016,7 +11016,7 @@
           <a:p>
             <a:fld id="{1CFB49CA-E029-42F2-9641-D3C8C8AE1224}" type="datetimeFigureOut">
               <a:rPr lang="he-IL" smtClean="0"/>
-              <a:t>כ"א/ניסן/תשפ"א</a:t>
+              <a:t>כ"ב/ניסן/תשפ"א</a:t>
             </a:fld>
             <a:endParaRPr lang="he-IL"/>
           </a:p>
@@ -11428,7 +11428,7 @@
           <a:p>
             <a:fld id="{1CFB49CA-E029-42F2-9641-D3C8C8AE1224}" type="datetimeFigureOut">
               <a:rPr lang="he-IL" smtClean="0"/>
-              <a:t>כ"א/ניסן/תשפ"א</a:t>
+              <a:t>כ"ב/ניסן/תשפ"א</a:t>
             </a:fld>
             <a:endParaRPr lang="he-IL"/>
           </a:p>
@@ -11569,7 +11569,7 @@
           <a:p>
             <a:fld id="{1CFB49CA-E029-42F2-9641-D3C8C8AE1224}" type="datetimeFigureOut">
               <a:rPr lang="he-IL" smtClean="0"/>
-              <a:t>כ"א/ניסן/תשפ"א</a:t>
+              <a:t>כ"ב/ניסן/תשפ"א</a:t>
             </a:fld>
             <a:endParaRPr lang="he-IL"/>
           </a:p>
@@ -11682,7 +11682,7 @@
           <a:p>
             <a:fld id="{1CFB49CA-E029-42F2-9641-D3C8C8AE1224}" type="datetimeFigureOut">
               <a:rPr lang="he-IL" smtClean="0"/>
-              <a:t>כ"א/ניסן/תשפ"א</a:t>
+              <a:t>כ"ב/ניסן/תשפ"א</a:t>
             </a:fld>
             <a:endParaRPr lang="he-IL"/>
           </a:p>
@@ -11993,7 +11993,7 @@
           <a:p>
             <a:fld id="{1CFB49CA-E029-42F2-9641-D3C8C8AE1224}" type="datetimeFigureOut">
               <a:rPr lang="he-IL" smtClean="0"/>
-              <a:t>כ"א/ניסן/תשפ"א</a:t>
+              <a:t>כ"ב/ניסן/תשפ"א</a:t>
             </a:fld>
             <a:endParaRPr lang="he-IL"/>
           </a:p>
@@ -12281,7 +12281,7 @@
           <a:p>
             <a:fld id="{1CFB49CA-E029-42F2-9641-D3C8C8AE1224}" type="datetimeFigureOut">
               <a:rPr lang="he-IL" smtClean="0"/>
-              <a:t>כ"א/ניסן/תשפ"א</a:t>
+              <a:t>כ"ב/ניסן/תשפ"א</a:t>
             </a:fld>
             <a:endParaRPr lang="he-IL"/>
           </a:p>
@@ -12522,7 +12522,7 @@
           <a:p>
             <a:fld id="{1CFB49CA-E029-42F2-9641-D3C8C8AE1224}" type="datetimeFigureOut">
               <a:rPr lang="he-IL" smtClean="0"/>
-              <a:t>כ"א/ניסן/תשפ"א</a:t>
+              <a:t>כ"ב/ניסן/תשפ"א</a:t>
             </a:fld>
             <a:endParaRPr lang="he-IL"/>
           </a:p>
@@ -15153,7 +15153,23 @@
                   <a:srgbClr val="FFFFFF"/>
                 </a:solidFill>
               </a:rPr>
-              <a:t>Extract the input to the format search is excepting (detailed in the previous slide).</a:t>
+              <a:t>Extract the input to the format search </a:t>
+            </a:r>
+            <a:r>
+              <a:rPr lang="en-US">
+                <a:solidFill>
+                  <a:srgbClr val="FFFFFF"/>
+                </a:solidFill>
+              </a:rPr>
+              <a:t>is expecting </a:t>
+            </a:r>
+            <a:r>
+              <a:rPr lang="en-US" dirty="0">
+                <a:solidFill>
+                  <a:srgbClr val="FFFFFF"/>
+                </a:solidFill>
+              </a:rPr>
+              <a:t>(detailed in the previous slide).</a:t>
             </a:r>
           </a:p>
           <a:p>

--- a/high_level_presentation.pptx
+++ b/high_level_presentation.pptx
@@ -9872,7 +9872,7 @@
           <a:p>
             <a:fld id="{1CFB49CA-E029-42F2-9641-D3C8C8AE1224}" type="datetimeFigureOut">
               <a:rPr lang="he-IL" smtClean="0"/>
-              <a:t>כ"ב/ניסן/תשפ"א</a:t>
+              <a:t>כ"ג/ניסן/תשפ"א</a:t>
             </a:fld>
             <a:endParaRPr lang="he-IL"/>
           </a:p>
@@ -10070,7 +10070,7 @@
           <a:p>
             <a:fld id="{1CFB49CA-E029-42F2-9641-D3C8C8AE1224}" type="datetimeFigureOut">
               <a:rPr lang="he-IL" smtClean="0"/>
-              <a:t>כ"ב/ניסן/תשפ"א</a:t>
+              <a:t>כ"ג/ניסן/תשפ"א</a:t>
             </a:fld>
             <a:endParaRPr lang="he-IL"/>
           </a:p>
@@ -10278,7 +10278,7 @@
           <a:p>
             <a:fld id="{1CFB49CA-E029-42F2-9641-D3C8C8AE1224}" type="datetimeFigureOut">
               <a:rPr lang="he-IL" smtClean="0"/>
-              <a:t>כ"ב/ניסן/תשפ"א</a:t>
+              <a:t>כ"ג/ניסן/תשפ"א</a:t>
             </a:fld>
             <a:endParaRPr lang="he-IL"/>
           </a:p>
@@ -10476,7 +10476,7 @@
           <a:p>
             <a:fld id="{1CFB49CA-E029-42F2-9641-D3C8C8AE1224}" type="datetimeFigureOut">
               <a:rPr lang="he-IL" smtClean="0"/>
-              <a:t>כ"ב/ניסן/תשפ"א</a:t>
+              <a:t>כ"ג/ניסן/תשפ"א</a:t>
             </a:fld>
             <a:endParaRPr lang="he-IL"/>
           </a:p>
@@ -10751,7 +10751,7 @@
           <a:p>
             <a:fld id="{1CFB49CA-E029-42F2-9641-D3C8C8AE1224}" type="datetimeFigureOut">
               <a:rPr lang="he-IL" smtClean="0"/>
-              <a:t>כ"ב/ניסן/תשפ"א</a:t>
+              <a:t>כ"ג/ניסן/תשפ"א</a:t>
             </a:fld>
             <a:endParaRPr lang="he-IL"/>
           </a:p>
@@ -11016,7 +11016,7 @@
           <a:p>
             <a:fld id="{1CFB49CA-E029-42F2-9641-D3C8C8AE1224}" type="datetimeFigureOut">
               <a:rPr lang="he-IL" smtClean="0"/>
-              <a:t>כ"ב/ניסן/תשפ"א</a:t>
+              <a:t>כ"ג/ניסן/תשפ"א</a:t>
             </a:fld>
             <a:endParaRPr lang="he-IL"/>
           </a:p>
@@ -11428,7 +11428,7 @@
           <a:p>
             <a:fld id="{1CFB49CA-E029-42F2-9641-D3C8C8AE1224}" type="datetimeFigureOut">
               <a:rPr lang="he-IL" smtClean="0"/>
-              <a:t>כ"ב/ניסן/תשפ"א</a:t>
+              <a:t>כ"ג/ניסן/תשפ"א</a:t>
             </a:fld>
             <a:endParaRPr lang="he-IL"/>
           </a:p>
@@ -11569,7 +11569,7 @@
           <a:p>
             <a:fld id="{1CFB49CA-E029-42F2-9641-D3C8C8AE1224}" type="datetimeFigureOut">
               <a:rPr lang="he-IL" smtClean="0"/>
-              <a:t>כ"ב/ניסן/תשפ"א</a:t>
+              <a:t>כ"ג/ניסן/תשפ"א</a:t>
             </a:fld>
             <a:endParaRPr lang="he-IL"/>
           </a:p>
@@ -11682,7 +11682,7 @@
           <a:p>
             <a:fld id="{1CFB49CA-E029-42F2-9641-D3C8C8AE1224}" type="datetimeFigureOut">
               <a:rPr lang="he-IL" smtClean="0"/>
-              <a:t>כ"ב/ניסן/תשפ"א</a:t>
+              <a:t>כ"ג/ניסן/תשפ"א</a:t>
             </a:fld>
             <a:endParaRPr lang="he-IL"/>
           </a:p>
@@ -11993,7 +11993,7 @@
           <a:p>
             <a:fld id="{1CFB49CA-E029-42F2-9641-D3C8C8AE1224}" type="datetimeFigureOut">
               <a:rPr lang="he-IL" smtClean="0"/>
-              <a:t>כ"ב/ניסן/תשפ"א</a:t>
+              <a:t>כ"ג/ניסן/תשפ"א</a:t>
             </a:fld>
             <a:endParaRPr lang="he-IL"/>
           </a:p>
@@ -12281,7 +12281,7 @@
           <a:p>
             <a:fld id="{1CFB49CA-E029-42F2-9641-D3C8C8AE1224}" type="datetimeFigureOut">
               <a:rPr lang="he-IL" smtClean="0"/>
-              <a:t>כ"ב/ניסן/תשפ"א</a:t>
+              <a:t>כ"ג/ניסן/תשפ"א</a:t>
             </a:fld>
             <a:endParaRPr lang="he-IL"/>
           </a:p>
@@ -12522,7 +12522,7 @@
           <a:p>
             <a:fld id="{1CFB49CA-E029-42F2-9641-D3C8C8AE1224}" type="datetimeFigureOut">
               <a:rPr lang="he-IL" smtClean="0"/>
-              <a:t>כ"ב/ניסן/תשפ"א</a:t>
+              <a:t>כ"ג/ניסן/תשפ"א</a:t>
             </a:fld>
             <a:endParaRPr lang="he-IL"/>
           </a:p>
@@ -15153,23 +15153,7 @@
                   <a:srgbClr val="FFFFFF"/>
                 </a:solidFill>
               </a:rPr>
-              <a:t>Extract the input to the format search </a:t>
-            </a:r>
-            <a:r>
-              <a:rPr lang="en-US">
-                <a:solidFill>
-                  <a:srgbClr val="FFFFFF"/>
-                </a:solidFill>
-              </a:rPr>
-              <a:t>is expecting </a:t>
-            </a:r>
-            <a:r>
-              <a:rPr lang="en-US" dirty="0">
-                <a:solidFill>
-                  <a:srgbClr val="FFFFFF"/>
-                </a:solidFill>
-              </a:rPr>
-              <a:t>(detailed in the previous slide).</a:t>
+              <a:t>Extract the input to the format search is expecting (detailed in the previous slide).</a:t>
             </a:r>
           </a:p>
           <a:p>
@@ -16117,7 +16101,7 @@
             </a:pPr>
             <a:r>
               <a:rPr lang="en-US" sz="2400" b="1" dirty="0"/>
-              <a:t>This former project is using Wikipedia dump files to produce 2 json files containing all entries in Wikipedia Hebrew with the following data:</a:t>
+              <a:t>This former project is used to extract 2 json files out of Wikipedia dump files, containing all entries in Wikipedia Hebrew with the following data:</a:t>
             </a:r>
           </a:p>
           <a:p>
@@ -17962,7 +17946,7 @@
         </p:blipFill>
         <p:spPr bwMode="auto">
           <a:xfrm>
-            <a:off x="7051249" y="150829"/>
+            <a:off x="7051249" y="131975"/>
             <a:ext cx="5140753" cy="3419475"/>
           </a:xfrm>
           <a:prstGeom prst="rect">
